--- a/frontend/tests/files/presentation2.pptx
+++ b/frontend/tests/files/presentation2.pptx
@@ -1617,7 +1617,12 @@
             <p:ph type="subTitle" idx="1"/>
           </p:nvPr>
         </p:nvSpPr>
-        <p:spPr/>
+        <p:spPr>
+          <a:xfrm>
+            <a:off x="1524000" y="3610505"/>
+            <a:ext cx="9144000" cy="1655762"/>
+          </a:xfrm>
+        </p:spPr>
         <p:txBody>
           <a:bodyPr/>
           <a:lstStyle/>
@@ -1628,11 +1633,11 @@
             </a:r>
             <a:r>
               <a:rPr lang="de-DE" dirty="0" err="1"/>
-              <a:t>no</a:t>
+              <a:t>Placeholder</a:t>
             </a:r>
             <a:r>
               <a:rPr lang="de-DE" dirty="0"/>
-              <a:t> UID</a:t>
+              <a:t> ~$Name$~</a:t>
             </a:r>
           </a:p>
         </p:txBody>
@@ -1776,12 +1781,8 @@
           <a:lstStyle/>
           <a:p>
             <a:r>
-              <a:rPr lang="de-DE" dirty="0" err="1"/>
-              <a:t>TestSlide</a:t>
-            </a:r>
-            <a:r>
               <a:rPr lang="de-DE" dirty="0"/>
-              <a:t> 3.5</a:t>
+              <a:t>Test~$Space$~Slide 3.5</a:t>
             </a:r>
           </a:p>
         </p:txBody>
